--- a/Calendario2021/Presentaciones/5_Protocolos_ruteo.pptx
+++ b/Calendario2021/Presentaciones/5_Protocolos_ruteo.pptx
@@ -214,7 +214,7 @@
           <a:p>
             <a:fld id="{2D445F07-8756-451B-A938-0248325FC7BB}" type="datetimeFigureOut">
               <a:rPr lang="es-MX" smtClean="0"/>
-              <a:t>04/03/2021</a:t>
+              <a:t>08/03/2021</a:t>
             </a:fld>
             <a:endParaRPr lang="es-MX" dirty="0"/>
           </a:p>
@@ -999,7 +999,7 @@
           <a:p>
             <a:fld id="{5E75A0DC-66C6-4CEC-A5EB-F8C97CEC3796}" type="datetimeFigureOut">
               <a:rPr lang="es-MX" smtClean="0"/>
-              <a:t>04/03/2021</a:t>
+              <a:t>08/03/2021</a:t>
             </a:fld>
             <a:endParaRPr lang="es-MX" dirty="0"/>
           </a:p>
@@ -1169,7 +1169,7 @@
           <a:p>
             <a:fld id="{5E75A0DC-66C6-4CEC-A5EB-F8C97CEC3796}" type="datetimeFigureOut">
               <a:rPr lang="es-MX" smtClean="0"/>
-              <a:t>04/03/2021</a:t>
+              <a:t>08/03/2021</a:t>
             </a:fld>
             <a:endParaRPr lang="es-MX" dirty="0"/>
           </a:p>
@@ -1349,7 +1349,7 @@
           <a:p>
             <a:fld id="{5E75A0DC-66C6-4CEC-A5EB-F8C97CEC3796}" type="datetimeFigureOut">
               <a:rPr lang="es-MX" smtClean="0"/>
-              <a:t>04/03/2021</a:t>
+              <a:t>08/03/2021</a:t>
             </a:fld>
             <a:endParaRPr lang="es-MX" dirty="0"/>
           </a:p>
@@ -1519,7 +1519,7 @@
           <a:p>
             <a:fld id="{5E75A0DC-66C6-4CEC-A5EB-F8C97CEC3796}" type="datetimeFigureOut">
               <a:rPr lang="es-MX" smtClean="0"/>
-              <a:t>04/03/2021</a:t>
+              <a:t>08/03/2021</a:t>
             </a:fld>
             <a:endParaRPr lang="es-MX" dirty="0"/>
           </a:p>
@@ -1765,7 +1765,7 @@
           <a:p>
             <a:fld id="{5E75A0DC-66C6-4CEC-A5EB-F8C97CEC3796}" type="datetimeFigureOut">
               <a:rPr lang="es-MX" smtClean="0"/>
-              <a:t>04/03/2021</a:t>
+              <a:t>08/03/2021</a:t>
             </a:fld>
             <a:endParaRPr lang="es-MX" dirty="0"/>
           </a:p>
@@ -2053,7 +2053,7 @@
           <a:p>
             <a:fld id="{5E75A0DC-66C6-4CEC-A5EB-F8C97CEC3796}" type="datetimeFigureOut">
               <a:rPr lang="es-MX" smtClean="0"/>
-              <a:t>04/03/2021</a:t>
+              <a:t>08/03/2021</a:t>
             </a:fld>
             <a:endParaRPr lang="es-MX" dirty="0"/>
           </a:p>
@@ -2475,7 +2475,7 @@
           <a:p>
             <a:fld id="{5E75A0DC-66C6-4CEC-A5EB-F8C97CEC3796}" type="datetimeFigureOut">
               <a:rPr lang="es-MX" smtClean="0"/>
-              <a:t>04/03/2021</a:t>
+              <a:t>08/03/2021</a:t>
             </a:fld>
             <a:endParaRPr lang="es-MX" dirty="0"/>
           </a:p>
@@ -2593,7 +2593,7 @@
           <a:p>
             <a:fld id="{5E75A0DC-66C6-4CEC-A5EB-F8C97CEC3796}" type="datetimeFigureOut">
               <a:rPr lang="es-MX" smtClean="0"/>
-              <a:t>04/03/2021</a:t>
+              <a:t>08/03/2021</a:t>
             </a:fld>
             <a:endParaRPr lang="es-MX" dirty="0"/>
           </a:p>
@@ -2688,7 +2688,7 @@
           <a:p>
             <a:fld id="{5E75A0DC-66C6-4CEC-A5EB-F8C97CEC3796}" type="datetimeFigureOut">
               <a:rPr lang="es-MX" smtClean="0"/>
-              <a:t>04/03/2021</a:t>
+              <a:t>08/03/2021</a:t>
             </a:fld>
             <a:endParaRPr lang="es-MX" dirty="0"/>
           </a:p>
@@ -2965,7 +2965,7 @@
           <a:p>
             <a:fld id="{5E75A0DC-66C6-4CEC-A5EB-F8C97CEC3796}" type="datetimeFigureOut">
               <a:rPr lang="es-MX" smtClean="0"/>
-              <a:t>04/03/2021</a:t>
+              <a:t>08/03/2021</a:t>
             </a:fld>
             <a:endParaRPr lang="es-MX" dirty="0"/>
           </a:p>
@@ -3218,7 +3218,7 @@
           <a:p>
             <a:fld id="{5E75A0DC-66C6-4CEC-A5EB-F8C97CEC3796}" type="datetimeFigureOut">
               <a:rPr lang="es-MX" smtClean="0"/>
-              <a:t>04/03/2021</a:t>
+              <a:t>08/03/2021</a:t>
             </a:fld>
             <a:endParaRPr lang="es-MX" dirty="0"/>
           </a:p>
@@ -3431,7 +3431,7 @@
           <a:p>
             <a:fld id="{5E75A0DC-66C6-4CEC-A5EB-F8C97CEC3796}" type="datetimeFigureOut">
               <a:rPr lang="es-MX" smtClean="0"/>
-              <a:t>04/03/2021</a:t>
+              <a:t>08/03/2021</a:t>
             </a:fld>
             <a:endParaRPr lang="es-MX" dirty="0"/>
           </a:p>
@@ -4131,7 +4131,43 @@
                 <a:latin typeface="Arial" pitchFamily="34" charset="0"/>
                 <a:cs typeface="Arial" pitchFamily="34" charset="0"/>
               </a:rPr>
-              <a:t>Un protocolo de ruteo es un conjunto de reglas que describe cómo los dispositivos de ruteo de la capa tres enviarán actualizaciones entre ellos acerca de las redes disponibles. Si existe más de una ruta hacia una red remota, el protocolo también determina cómo seleccionar la mejor ruta. Las rutas aprendidas de las actualizaciones son mantenidas en la tabla de ruteo de cada ruteador.</a:t>
+              <a:t>Un </a:t>
+            </a:r>
+            <a:r>
+              <a:rPr lang="es-ES" altLang="es-MX" sz="1600" b="1" dirty="0">
+                <a:solidFill>
+                  <a:schemeClr val="bg2">
+                    <a:lumMod val="25000"/>
+                  </a:schemeClr>
+                </a:solidFill>
+                <a:latin typeface="Arial" pitchFamily="34" charset="0"/>
+                <a:cs typeface="Arial" pitchFamily="34" charset="0"/>
+              </a:rPr>
+              <a:t>protocolo de ruteo </a:t>
+            </a:r>
+            <a:r>
+              <a:rPr lang="es-ES" altLang="es-MX" sz="1600" b="1" dirty="0">
+                <a:solidFill>
+                  <a:schemeClr val="accent6">
+                    <a:lumMod val="75000"/>
+                  </a:schemeClr>
+                </a:solidFill>
+                <a:latin typeface="Arial" pitchFamily="34" charset="0"/>
+                <a:cs typeface="Arial" pitchFamily="34" charset="0"/>
+              </a:rPr>
+              <a:t>es un conjunto de reglas que describe cómo los dispositivos de ruteo de la capa tres enviarán actualizaciones entre ellos acerca de las redes disponibles. </a:t>
+            </a:r>
+            <a:r>
+              <a:rPr lang="es-ES" altLang="es-MX" sz="1600" dirty="0">
+                <a:solidFill>
+                  <a:schemeClr val="bg2">
+                    <a:lumMod val="25000"/>
+                  </a:schemeClr>
+                </a:solidFill>
+                <a:latin typeface="Arial" pitchFamily="34" charset="0"/>
+                <a:cs typeface="Arial" pitchFamily="34" charset="0"/>
+              </a:rPr>
+              <a:t>Si existe más de una ruta hacia una red remota, el protocolo también determina cómo seleccionar la mejor ruta. Las rutas aprendidas de las actualizaciones son mantenidas en la tabla de ruteo de cada ruteador.</a:t>
             </a:r>
             <a:endParaRPr lang="es-MX" altLang="es-MX" sz="1600" dirty="0">
               <a:solidFill>
@@ -4379,8 +4415,8 @@
         </p:nvSpPr>
         <p:spPr bwMode="auto">
           <a:xfrm>
-            <a:off x="395536" y="1187624"/>
-            <a:ext cx="8208912" cy="1661865"/>
+            <a:off x="467544" y="1187624"/>
+            <a:ext cx="8208912" cy="1341265"/>
           </a:xfrm>
           <a:prstGeom prst="rect">
             <a:avLst/>
@@ -4449,7 +4485,67 @@
                 <a:latin typeface="Arial" pitchFamily="34" charset="0"/>
                 <a:cs typeface="Arial" pitchFamily="34" charset="0"/>
               </a:rPr>
-              <a:t>Un protocolo de ruteo es un conjunto de reglas que describe cómo los dispositivos de ruteo de la capa tres enviarán actualizaciones entre ellos acerca de las redes disponibles. Si existe más de una ruta hacia una red remota, el protocolo también determina cómo seleccionar la mejor ruta. Las rutas aprendidas de las actualizaciones son mantenidas en la tabla de ruteo de cada ruteador.</a:t>
+              <a:t>Un ruteador se basa en su </a:t>
+            </a:r>
+            <a:r>
+              <a:rPr lang="es-ES" altLang="es-MX" sz="1600" b="1" dirty="0">
+                <a:solidFill>
+                  <a:schemeClr val="bg2">
+                    <a:lumMod val="25000"/>
+                  </a:schemeClr>
+                </a:solidFill>
+                <a:latin typeface="Arial" pitchFamily="34" charset="0"/>
+                <a:cs typeface="Arial" pitchFamily="34" charset="0"/>
+              </a:rPr>
+              <a:t>tabla de ruteo </a:t>
+            </a:r>
+            <a:r>
+              <a:rPr lang="es-ES" altLang="es-MX" sz="1600" b="1" dirty="0">
+                <a:solidFill>
+                  <a:schemeClr val="accent6">
+                    <a:lumMod val="75000"/>
+                  </a:schemeClr>
+                </a:solidFill>
+                <a:latin typeface="Arial" pitchFamily="34" charset="0"/>
+                <a:cs typeface="Arial" pitchFamily="34" charset="0"/>
+              </a:rPr>
+              <a:t>para tomar decisiones acerca de hacia dónde enviar los paquetes de datos para que éstos lleguen a su destino final </a:t>
+            </a:r>
+            <a:r>
+              <a:rPr lang="es-ES" altLang="es-MX" sz="1600" dirty="0">
+                <a:solidFill>
+                  <a:schemeClr val="bg2">
+                    <a:lumMod val="25000"/>
+                  </a:schemeClr>
+                </a:solidFill>
+                <a:latin typeface="Arial" pitchFamily="34" charset="0"/>
+                <a:cs typeface="Arial" pitchFamily="34" charset="0"/>
+              </a:rPr>
+              <a:t>el cual está identificado en la dirección destino del paquete. Típicamente, una tabla de ruteo contiene cuatro campos: </a:t>
+            </a:r>
+            <a:r>
+              <a:rPr lang="es-ES" altLang="es-MX" sz="1600" b="1" dirty="0">
+                <a:solidFill>
+                  <a:schemeClr val="bg2">
+                    <a:lumMod val="25000"/>
+                  </a:schemeClr>
+                </a:solidFill>
+                <a:latin typeface="Arial" pitchFamily="34" charset="0"/>
+                <a:cs typeface="Arial" pitchFamily="34" charset="0"/>
+              </a:rPr>
+              <a:t>network, outgoing interface, metric, next logical hop</a:t>
+            </a:r>
+            <a:r>
+              <a:rPr lang="es-ES" altLang="es-MX" sz="1600" dirty="0">
+                <a:solidFill>
+                  <a:schemeClr val="bg2">
+                    <a:lumMod val="25000"/>
+                  </a:schemeClr>
+                </a:solidFill>
+                <a:latin typeface="Arial" pitchFamily="34" charset="0"/>
+                <a:cs typeface="Arial" pitchFamily="34" charset="0"/>
+              </a:rPr>
+              <a:t>.</a:t>
             </a:r>
             <a:endParaRPr lang="es-MX" altLang="es-MX" sz="1600" dirty="0">
               <a:solidFill>
@@ -4491,7 +4587,7 @@
         </p:blipFill>
         <p:spPr>
           <a:xfrm>
-            <a:off x="1904429" y="3140968"/>
+            <a:off x="1976437" y="2852936"/>
             <a:ext cx="5191125" cy="3171825"/>
           </a:xfrm>
           <a:prstGeom prst="rect">
@@ -4683,8 +4779,8 @@
         </p:nvSpPr>
         <p:spPr bwMode="auto">
           <a:xfrm>
-            <a:off x="395535" y="1169375"/>
-            <a:ext cx="8208912" cy="1341265"/>
+            <a:off x="755575" y="1169375"/>
+            <a:ext cx="7776865" cy="1341265"/>
           </a:xfrm>
           <a:prstGeom prst="rect">
             <a:avLst/>
@@ -4753,7 +4849,55 @@
                 <a:latin typeface="Arial" pitchFamily="34" charset="0"/>
                 <a:cs typeface="Arial" pitchFamily="34" charset="0"/>
               </a:rPr>
-              <a:t>La convergencia se da cuando todos los ruteadores del dominio de ruteo coinciden en las rutas que están disponibles. El tiempo de convergencia es el tiempo que toma el que todos los ruteadores sincronicen sus tablas de ruteo después de que ha habido un cambio en la topología de la red.</a:t>
+              <a:t>La </a:t>
+            </a:r>
+            <a:r>
+              <a:rPr lang="es-ES" altLang="es-MX" sz="1600" b="1" dirty="0">
+                <a:solidFill>
+                  <a:schemeClr val="bg2">
+                    <a:lumMod val="25000"/>
+                  </a:schemeClr>
+                </a:solidFill>
+                <a:latin typeface="Arial" pitchFamily="34" charset="0"/>
+                <a:cs typeface="Arial" pitchFamily="34" charset="0"/>
+              </a:rPr>
+              <a:t>convergencia</a:t>
+            </a:r>
+            <a:r>
+              <a:rPr lang="es-ES" altLang="es-MX" sz="1600" dirty="0">
+                <a:solidFill>
+                  <a:schemeClr val="bg2">
+                    <a:lumMod val="25000"/>
+                  </a:schemeClr>
+                </a:solidFill>
+                <a:latin typeface="Arial" pitchFamily="34" charset="0"/>
+                <a:cs typeface="Arial" pitchFamily="34" charset="0"/>
+              </a:rPr>
+              <a:t> se da cuando </a:t>
+            </a:r>
+            <a:r>
+              <a:rPr lang="es-ES" altLang="es-MX" sz="1600" b="1" dirty="0">
+                <a:solidFill>
+                  <a:schemeClr val="accent6">
+                    <a:lumMod val="75000"/>
+                  </a:schemeClr>
+                </a:solidFill>
+                <a:latin typeface="Arial" pitchFamily="34" charset="0"/>
+                <a:cs typeface="Arial" pitchFamily="34" charset="0"/>
+              </a:rPr>
+              <a:t>todos los ruteadores del dominio de ruteo coinciden en las rutas que están disponibles</a:t>
+            </a:r>
+            <a:r>
+              <a:rPr lang="es-ES" altLang="es-MX" sz="1600" dirty="0">
+                <a:solidFill>
+                  <a:schemeClr val="bg2">
+                    <a:lumMod val="25000"/>
+                  </a:schemeClr>
+                </a:solidFill>
+                <a:latin typeface="Arial" pitchFamily="34" charset="0"/>
+                <a:cs typeface="Arial" pitchFamily="34" charset="0"/>
+              </a:rPr>
+              <a:t>. El tiempo de convergencia es el tiempo que toma el que todos los ruteadores sincronicen sus tablas de ruteo después de que ha habido un cambio en la topología de la red.</a:t>
             </a:r>
             <a:endParaRPr lang="es-MX" altLang="es-MX" sz="1600" dirty="0">
               <a:solidFill>
@@ -4769,10 +4913,10 @@
       </p:sp>
       <p:pic>
         <p:nvPicPr>
-          <p:cNvPr id="3" name="Imagen 2" descr="Imagen que contiene interior, tabla, hombre, lavabo&#10;&#10;Descripción generada automáticamente">
+          <p:cNvPr id="6" name="Imagen 5">
             <a:extLst>
               <a:ext uri="{FF2B5EF4-FFF2-40B4-BE49-F238E27FC236}">
-                <a16:creationId xmlns:a16="http://schemas.microsoft.com/office/drawing/2014/main" id="{EDB191EC-3DE3-4B17-B2E9-741BF13CF1FD}"/>
+                <a16:creationId xmlns:a16="http://schemas.microsoft.com/office/drawing/2014/main" id="{17882F6E-9DD9-4A79-A8CF-E2C5D2A2CF2A}"/>
               </a:ext>
             </a:extLst>
           </p:cNvPr>
@@ -4782,21 +4926,15 @@
           <p:nvPr/>
         </p:nvPicPr>
         <p:blipFill>
-          <a:blip r:embed="rId3">
-            <a:extLst>
-              <a:ext uri="{28A0092B-C50C-407E-A947-70E740481C1C}">
-                <a14:useLocalDpi xmlns:a14="http://schemas.microsoft.com/office/drawing/2010/main" val="0"/>
-              </a:ext>
-            </a:extLst>
-          </a:blip>
+          <a:blip r:embed="rId3"/>
           <a:stretch>
             <a:fillRect/>
           </a:stretch>
         </p:blipFill>
         <p:spPr>
           <a:xfrm>
-            <a:off x="2483768" y="2924944"/>
-            <a:ext cx="3739861" cy="3096344"/>
+            <a:off x="1979712" y="2852936"/>
+            <a:ext cx="5604852" cy="2835689"/>
           </a:xfrm>
           <a:prstGeom prst="rect">
             <a:avLst/>
@@ -4971,12 +5109,170 @@
           </a:p>
         </p:txBody>
       </p:sp>
+      <p:sp>
+        <p:nvSpPr>
+          <p:cNvPr id="7" name="Rectangle 1">
+            <a:extLst>
+              <a:ext uri="{FF2B5EF4-FFF2-40B4-BE49-F238E27FC236}">
+                <a16:creationId xmlns:a16="http://schemas.microsoft.com/office/drawing/2014/main" id="{FB75CD55-7846-472C-BBC2-B9252090169A}"/>
+              </a:ext>
+            </a:extLst>
+          </p:cNvPr>
+          <p:cNvSpPr>
+            <a:spLocks noChangeArrowheads="1"/>
+          </p:cNvSpPr>
+          <p:nvPr/>
+        </p:nvSpPr>
+        <p:spPr bwMode="auto">
+          <a:xfrm>
+            <a:off x="899592" y="1210580"/>
+            <a:ext cx="7416824" cy="1225977"/>
+          </a:xfrm>
+          <a:prstGeom prst="rect">
+            <a:avLst/>
+          </a:prstGeom>
+          <a:noFill/>
+          <a:ln>
+            <a:noFill/>
+          </a:ln>
+          <a:effectLst/>
+          <a:extLst>
+            <a:ext uri="{909E8E84-426E-40DD-AFC4-6F175D3DCCD1}">
+              <a14:hiddenFill xmlns:a14="http://schemas.microsoft.com/office/drawing/2010/main">
+                <a:solidFill>
+                  <a:schemeClr val="accent1"/>
+                </a:solidFill>
+              </a14:hiddenFill>
+            </a:ext>
+            <a:ext uri="{91240B29-F687-4F45-9708-019B960494DF}">
+              <a14:hiddenLine xmlns:a14="http://schemas.microsoft.com/office/drawing/2010/main" w="9525">
+                <a:solidFill>
+                  <a:schemeClr val="tx1"/>
+                </a:solidFill>
+                <a:miter lim="800000"/>
+                <a:headEnd/>
+                <a:tailEnd/>
+              </a14:hiddenLine>
+            </a:ext>
+            <a:ext uri="{AF507438-7753-43E0-B8FC-AC1667EBCBE1}">
+              <a14:hiddenEffects xmlns:a14="http://schemas.microsoft.com/office/drawing/2010/main">
+                <a:effectLst>
+                  <a:outerShdw dist="35921" dir="2700000" algn="ctr" rotWithShape="0">
+                    <a:schemeClr val="bg2"/>
+                  </a:outerShdw>
+                </a:effectLst>
+              </a14:hiddenEffects>
+            </a:ext>
+          </a:extLst>
+        </p:spPr>
+        <p:txBody>
+          <a:bodyPr vert="horz" wrap="square" lIns="91440" tIns="45720" rIns="91440" bIns="45720" numCol="1" anchor="ctr" anchorCtr="0" compatLnSpc="1">
+            <a:prstTxWarp prst="textNoShape">
+              <a:avLst/>
+            </a:prstTxWarp>
+            <a:spAutoFit/>
+          </a:bodyPr>
+          <a:lstStyle/>
+          <a:p>
+            <a:pPr>
+              <a:lnSpc>
+                <a:spcPts val="2500"/>
+              </a:lnSpc>
+            </a:pPr>
+            <a:r>
+              <a:rPr lang="es-MX" sz="1600" dirty="0">
+                <a:solidFill>
+                  <a:schemeClr val="bg2">
+                    <a:lumMod val="25000"/>
+                  </a:schemeClr>
+                </a:solidFill>
+                <a:latin typeface="Arial" pitchFamily="34" charset="0"/>
+                <a:cs typeface="Arial" pitchFamily="34" charset="0"/>
+              </a:rPr>
+              <a:t>Son los protocolos de ruteo que </a:t>
+            </a:r>
+            <a:r>
+              <a:rPr lang="es-MX" sz="1600" b="1" dirty="0">
+                <a:solidFill>
+                  <a:schemeClr val="accent6">
+                    <a:lumMod val="75000"/>
+                  </a:schemeClr>
+                </a:solidFill>
+                <a:latin typeface="Arial" pitchFamily="34" charset="0"/>
+                <a:cs typeface="Arial" pitchFamily="34" charset="0"/>
+              </a:rPr>
+              <a:t>operan dentro de una organización </a:t>
+            </a:r>
+            <a:r>
+              <a:rPr lang="es-MX" sz="1600" dirty="0">
+                <a:solidFill>
+                  <a:schemeClr val="bg2">
+                    <a:lumMod val="25000"/>
+                  </a:schemeClr>
+                </a:solidFill>
+                <a:latin typeface="Arial" pitchFamily="34" charset="0"/>
+                <a:cs typeface="Arial" pitchFamily="34" charset="0"/>
+              </a:rPr>
+              <a:t>(sistema autónomo).</a:t>
+            </a:r>
+          </a:p>
+          <a:p>
+            <a:endParaRPr lang="es-MX" sz="1600" dirty="0">
+              <a:solidFill>
+                <a:schemeClr val="bg2">
+                  <a:lumMod val="25000"/>
+                </a:schemeClr>
+              </a:solidFill>
+              <a:latin typeface="Arial" pitchFamily="34" charset="0"/>
+              <a:cs typeface="Arial" pitchFamily="34" charset="0"/>
+            </a:endParaRPr>
+          </a:p>
+          <a:p>
+            <a:r>
+              <a:rPr lang="es-MX" sz="1600" dirty="0">
+                <a:solidFill>
+                  <a:schemeClr val="bg2">
+                    <a:lumMod val="25000"/>
+                  </a:schemeClr>
+                </a:solidFill>
+                <a:latin typeface="Arial" pitchFamily="34" charset="0"/>
+                <a:cs typeface="Arial" pitchFamily="34" charset="0"/>
+              </a:rPr>
+              <a:t>Por ejemplo: </a:t>
+            </a:r>
+            <a:r>
+              <a:rPr lang="es-MX" sz="1600" b="1" dirty="0">
+                <a:solidFill>
+                  <a:schemeClr val="bg2">
+                    <a:lumMod val="25000"/>
+                  </a:schemeClr>
+                </a:solidFill>
+                <a:latin typeface="Arial" pitchFamily="34" charset="0"/>
+                <a:cs typeface="Arial" pitchFamily="34" charset="0"/>
+              </a:rPr>
+              <a:t>RIPv1, IGRP, EIGRP, OSPF, IS-IS</a:t>
+            </a:r>
+            <a:r>
+              <a:rPr lang="es-MX" sz="1600" dirty="0">
+                <a:solidFill>
+                  <a:schemeClr val="bg2">
+                    <a:lumMod val="25000"/>
+                  </a:schemeClr>
+                </a:solidFill>
+                <a:latin typeface="Arial" pitchFamily="34" charset="0"/>
+                <a:cs typeface="Arial" pitchFamily="34" charset="0"/>
+              </a:rPr>
+              <a:t>.</a:t>
+            </a:r>
+          </a:p>
+        </p:txBody>
+      </p:sp>
       <p:pic>
         <p:nvPicPr>
-          <p:cNvPr id="6" name="Imagen 5">
+          <p:cNvPr id="4" name="Imagen 3">
             <a:extLst>
               <a:ext uri="{FF2B5EF4-FFF2-40B4-BE49-F238E27FC236}">
-                <a16:creationId xmlns:a16="http://schemas.microsoft.com/office/drawing/2014/main" id="{6A7A85E1-B5D9-41E5-8907-A302B6EC45D5}"/>
+                <a16:creationId xmlns:a16="http://schemas.microsoft.com/office/drawing/2014/main" id="{8ED1DBF0-9F36-4DAF-9F1C-F4E3060244DE}"/>
               </a:ext>
             </a:extLst>
           </p:cNvPr>
@@ -4993,143 +5289,14 @@
         </p:blipFill>
         <p:spPr>
           <a:xfrm>
-            <a:off x="1475656" y="2780928"/>
-            <a:ext cx="5675707" cy="3048000"/>
+            <a:off x="1979712" y="2674160"/>
+            <a:ext cx="5760640" cy="3912345"/>
           </a:xfrm>
           <a:prstGeom prst="rect">
             <a:avLst/>
           </a:prstGeom>
         </p:spPr>
       </p:pic>
-      <p:sp>
-        <p:nvSpPr>
-          <p:cNvPr id="7" name="Rectangle 1">
-            <a:extLst>
-              <a:ext uri="{FF2B5EF4-FFF2-40B4-BE49-F238E27FC236}">
-                <a16:creationId xmlns:a16="http://schemas.microsoft.com/office/drawing/2014/main" id="{FB75CD55-7846-472C-BBC2-B9252090169A}"/>
-              </a:ext>
-            </a:extLst>
-          </p:cNvPr>
-          <p:cNvSpPr>
-            <a:spLocks noChangeArrowheads="1"/>
-          </p:cNvSpPr>
-          <p:nvPr/>
-        </p:nvSpPr>
-        <p:spPr bwMode="auto">
-          <a:xfrm>
-            <a:off x="899592" y="1399424"/>
-            <a:ext cx="7632848" cy="1077218"/>
-          </a:xfrm>
-          <a:prstGeom prst="rect">
-            <a:avLst/>
-          </a:prstGeom>
-          <a:noFill/>
-          <a:ln>
-            <a:noFill/>
-          </a:ln>
-          <a:effectLst/>
-          <a:extLst>
-            <a:ext uri="{909E8E84-426E-40DD-AFC4-6F175D3DCCD1}">
-              <a14:hiddenFill xmlns:a14="http://schemas.microsoft.com/office/drawing/2010/main">
-                <a:solidFill>
-                  <a:schemeClr val="accent1"/>
-                </a:solidFill>
-              </a14:hiddenFill>
-            </a:ext>
-            <a:ext uri="{91240B29-F687-4F45-9708-019B960494DF}">
-              <a14:hiddenLine xmlns:a14="http://schemas.microsoft.com/office/drawing/2010/main" w="9525">
-                <a:solidFill>
-                  <a:schemeClr val="tx1"/>
-                </a:solidFill>
-                <a:miter lim="800000"/>
-                <a:headEnd/>
-                <a:tailEnd/>
-              </a14:hiddenLine>
-            </a:ext>
-            <a:ext uri="{AF507438-7753-43E0-B8FC-AC1667EBCBE1}">
-              <a14:hiddenEffects xmlns:a14="http://schemas.microsoft.com/office/drawing/2010/main">
-                <a:effectLst>
-                  <a:outerShdw dist="35921" dir="2700000" algn="ctr" rotWithShape="0">
-                    <a:schemeClr val="bg2"/>
-                  </a:outerShdw>
-                </a:effectLst>
-              </a14:hiddenEffects>
-            </a:ext>
-          </a:extLst>
-        </p:spPr>
-        <p:txBody>
-          <a:bodyPr vert="horz" wrap="square" lIns="91440" tIns="45720" rIns="91440" bIns="45720" numCol="1" anchor="ctr" anchorCtr="0" compatLnSpc="1">
-            <a:prstTxWarp prst="textNoShape">
-              <a:avLst/>
-            </a:prstTxWarp>
-            <a:spAutoFit/>
-          </a:bodyPr>
-          <a:lstStyle/>
-          <a:p>
-            <a:r>
-              <a:rPr lang="es-MX" sz="1600" dirty="0">
-                <a:solidFill>
-                  <a:schemeClr val="bg2">
-                    <a:lumMod val="25000"/>
-                  </a:schemeClr>
-                </a:solidFill>
-                <a:latin typeface="Arial" pitchFamily="34" charset="0"/>
-                <a:cs typeface="Arial" pitchFamily="34" charset="0"/>
-              </a:rPr>
-              <a:t>Son los protocolos de ruteo que operan dentro de una organización (sistema autónomo).</a:t>
-            </a:r>
-          </a:p>
-          <a:p>
-            <a:endParaRPr lang="es-MX" sz="1600" dirty="0">
-              <a:solidFill>
-                <a:schemeClr val="bg2">
-                  <a:lumMod val="25000"/>
-                </a:schemeClr>
-              </a:solidFill>
-              <a:latin typeface="Arial" pitchFamily="34" charset="0"/>
-              <a:cs typeface="Arial" pitchFamily="34" charset="0"/>
-            </a:endParaRPr>
-          </a:p>
-          <a:p>
-            <a:r>
-              <a:rPr lang="es-MX" sz="1600" dirty="0">
-                <a:solidFill>
-                  <a:schemeClr val="bg2">
-                    <a:lumMod val="25000"/>
-                  </a:schemeClr>
-                </a:solidFill>
-                <a:latin typeface="Arial" pitchFamily="34" charset="0"/>
-                <a:cs typeface="Arial" pitchFamily="34" charset="0"/>
-              </a:rPr>
-              <a:t>Por ejemplo: </a:t>
-            </a:r>
-            <a:r>
-              <a:rPr lang="es-MX" sz="1600" b="1" dirty="0">
-                <a:solidFill>
-                  <a:schemeClr val="bg2">
-                    <a:lumMod val="25000"/>
-                  </a:schemeClr>
-                </a:solidFill>
-                <a:latin typeface="Arial" pitchFamily="34" charset="0"/>
-                <a:cs typeface="Arial" pitchFamily="34" charset="0"/>
-              </a:rPr>
-              <a:t>RIPv1, IGRP, EIGRP, OSPF, IS-IS</a:t>
-            </a:r>
-            <a:r>
-              <a:rPr lang="es-MX" sz="1600" dirty="0">
-                <a:solidFill>
-                  <a:schemeClr val="bg2">
-                    <a:lumMod val="25000"/>
-                  </a:schemeClr>
-                </a:solidFill>
-                <a:latin typeface="Arial" pitchFamily="34" charset="0"/>
-                <a:cs typeface="Arial" pitchFamily="34" charset="0"/>
-              </a:rPr>
-              <a:t>.</a:t>
-            </a:r>
-          </a:p>
-        </p:txBody>
-      </p:sp>
     </p:spTree>
     <p:extLst>
       <p:ext uri="{BB962C8B-B14F-4D97-AF65-F5344CB8AC3E}">
@@ -5298,12 +5465,170 @@
           </a:p>
         </p:txBody>
       </p:sp>
+      <p:sp>
+        <p:nvSpPr>
+          <p:cNvPr id="7" name="Rectangle 1">
+            <a:extLst>
+              <a:ext uri="{FF2B5EF4-FFF2-40B4-BE49-F238E27FC236}">
+                <a16:creationId xmlns:a16="http://schemas.microsoft.com/office/drawing/2014/main" id="{FB75CD55-7846-472C-BBC2-B9252090169A}"/>
+              </a:ext>
+            </a:extLst>
+          </p:cNvPr>
+          <p:cNvSpPr>
+            <a:spLocks noChangeArrowheads="1"/>
+          </p:cNvSpPr>
+          <p:nvPr/>
+        </p:nvSpPr>
+        <p:spPr bwMode="auto">
+          <a:xfrm>
+            <a:off x="1043608" y="1052736"/>
+            <a:ext cx="7344816" cy="1546577"/>
+          </a:xfrm>
+          <a:prstGeom prst="rect">
+            <a:avLst/>
+          </a:prstGeom>
+          <a:noFill/>
+          <a:ln>
+            <a:noFill/>
+          </a:ln>
+          <a:effectLst/>
+          <a:extLst>
+            <a:ext uri="{909E8E84-426E-40DD-AFC4-6F175D3DCCD1}">
+              <a14:hiddenFill xmlns:a14="http://schemas.microsoft.com/office/drawing/2010/main">
+                <a:solidFill>
+                  <a:schemeClr val="accent1"/>
+                </a:solidFill>
+              </a14:hiddenFill>
+            </a:ext>
+            <a:ext uri="{91240B29-F687-4F45-9708-019B960494DF}">
+              <a14:hiddenLine xmlns:a14="http://schemas.microsoft.com/office/drawing/2010/main" w="9525">
+                <a:solidFill>
+                  <a:schemeClr val="tx1"/>
+                </a:solidFill>
+                <a:miter lim="800000"/>
+                <a:headEnd/>
+                <a:tailEnd/>
+              </a14:hiddenLine>
+            </a:ext>
+            <a:ext uri="{AF507438-7753-43E0-B8FC-AC1667EBCBE1}">
+              <a14:hiddenEffects xmlns:a14="http://schemas.microsoft.com/office/drawing/2010/main">
+                <a:effectLst>
+                  <a:outerShdw dist="35921" dir="2700000" algn="ctr" rotWithShape="0">
+                    <a:schemeClr val="bg2"/>
+                  </a:outerShdw>
+                </a:effectLst>
+              </a14:hiddenEffects>
+            </a:ext>
+          </a:extLst>
+        </p:spPr>
+        <p:txBody>
+          <a:bodyPr vert="horz" wrap="square" lIns="91440" tIns="45720" rIns="91440" bIns="45720" numCol="1" anchor="ctr" anchorCtr="0" compatLnSpc="1">
+            <a:prstTxWarp prst="textNoShape">
+              <a:avLst/>
+            </a:prstTxWarp>
+            <a:spAutoFit/>
+          </a:bodyPr>
+          <a:lstStyle/>
+          <a:p>
+            <a:pPr algn="just">
+              <a:lnSpc>
+                <a:spcPts val="2500"/>
+              </a:lnSpc>
+            </a:pPr>
+            <a:r>
+              <a:rPr lang="es-MX" sz="1600" dirty="0">
+                <a:solidFill>
+                  <a:schemeClr val="bg2">
+                    <a:lumMod val="25000"/>
+                  </a:schemeClr>
+                </a:solidFill>
+                <a:latin typeface="Arial" pitchFamily="34" charset="0"/>
+                <a:cs typeface="Arial" pitchFamily="34" charset="0"/>
+              </a:rPr>
+              <a:t>Son los protocolos de ruteo que </a:t>
+            </a:r>
+            <a:r>
+              <a:rPr lang="es-MX" sz="1600" b="1" dirty="0">
+                <a:solidFill>
+                  <a:schemeClr val="accent6">
+                    <a:lumMod val="75000"/>
+                  </a:schemeClr>
+                </a:solidFill>
+                <a:latin typeface="Arial" pitchFamily="34" charset="0"/>
+                <a:cs typeface="Arial" pitchFamily="34" charset="0"/>
+              </a:rPr>
+              <a:t>intercambian información de ruteo entre sistemas autónomos</a:t>
+            </a:r>
+            <a:r>
+              <a:rPr lang="es-MX" sz="1600" dirty="0">
+                <a:solidFill>
+                  <a:schemeClr val="bg2">
+                    <a:lumMod val="25000"/>
+                  </a:schemeClr>
+                </a:solidFill>
+                <a:latin typeface="Arial" pitchFamily="34" charset="0"/>
+                <a:cs typeface="Arial" pitchFamily="34" charset="0"/>
+              </a:rPr>
+              <a:t>. Estos protocolos son altamente complejos, debido a la necesidad de determinar políticas entre organizaciones diferentes. </a:t>
+            </a:r>
+          </a:p>
+          <a:p>
+            <a:endParaRPr lang="es-MX" sz="1600" dirty="0">
+              <a:solidFill>
+                <a:schemeClr val="bg2">
+                  <a:lumMod val="25000"/>
+                </a:schemeClr>
+              </a:solidFill>
+              <a:latin typeface="Arial" pitchFamily="34" charset="0"/>
+              <a:cs typeface="Arial" pitchFamily="34" charset="0"/>
+            </a:endParaRPr>
+          </a:p>
+          <a:p>
+            <a:r>
+              <a:rPr lang="es-MX" sz="1600" dirty="0">
+                <a:solidFill>
+                  <a:schemeClr val="bg2">
+                    <a:lumMod val="25000"/>
+                  </a:schemeClr>
+                </a:solidFill>
+                <a:latin typeface="Arial" pitchFamily="34" charset="0"/>
+                <a:cs typeface="Arial" pitchFamily="34" charset="0"/>
+              </a:rPr>
+              <a:t>Ejemplo: </a:t>
+            </a:r>
+            <a:r>
+              <a:rPr lang="es-MX" sz="1600" b="1" dirty="0">
+                <a:solidFill>
+                  <a:schemeClr val="bg2">
+                    <a:lumMod val="25000"/>
+                  </a:schemeClr>
+                </a:solidFill>
+                <a:latin typeface="Arial" pitchFamily="34" charset="0"/>
+                <a:cs typeface="Arial" pitchFamily="34" charset="0"/>
+              </a:rPr>
+              <a:t>BGP-4 </a:t>
+            </a:r>
+            <a:r>
+              <a:rPr lang="es-MX" sz="1600" dirty="0">
+                <a:solidFill>
+                  <a:schemeClr val="bg2">
+                    <a:lumMod val="25000"/>
+                  </a:schemeClr>
+                </a:solidFill>
+                <a:latin typeface="Arial" pitchFamily="34" charset="0"/>
+                <a:cs typeface="Arial" pitchFamily="34" charset="0"/>
+              </a:rPr>
+              <a:t>(Border Gateway Protocol Version 4).</a:t>
+            </a:r>
+          </a:p>
+        </p:txBody>
+      </p:sp>
       <p:pic>
         <p:nvPicPr>
-          <p:cNvPr id="6" name="Imagen 5">
+          <p:cNvPr id="2" name="Imagen 1">
             <a:extLst>
               <a:ext uri="{FF2B5EF4-FFF2-40B4-BE49-F238E27FC236}">
-                <a16:creationId xmlns:a16="http://schemas.microsoft.com/office/drawing/2014/main" id="{6A7A85E1-B5D9-41E5-8907-A302B6EC45D5}"/>
+                <a16:creationId xmlns:a16="http://schemas.microsoft.com/office/drawing/2014/main" id="{533F4876-F322-445C-97EA-7FDC56DB895B}"/>
               </a:ext>
             </a:extLst>
           </p:cNvPr>
@@ -5320,215 +5645,14 @@
         </p:blipFill>
         <p:spPr>
           <a:xfrm>
-            <a:off x="1475656" y="2780928"/>
-            <a:ext cx="5675707" cy="3048000"/>
+            <a:off x="1752188" y="2780928"/>
+            <a:ext cx="5748143" cy="3903857"/>
           </a:xfrm>
           <a:prstGeom prst="rect">
             <a:avLst/>
           </a:prstGeom>
         </p:spPr>
       </p:pic>
-      <p:sp>
-        <p:nvSpPr>
-          <p:cNvPr id="7" name="Rectangle 1">
-            <a:extLst>
-              <a:ext uri="{FF2B5EF4-FFF2-40B4-BE49-F238E27FC236}">
-                <a16:creationId xmlns:a16="http://schemas.microsoft.com/office/drawing/2014/main" id="{FB75CD55-7846-472C-BBC2-B9252090169A}"/>
-              </a:ext>
-            </a:extLst>
-          </p:cNvPr>
-          <p:cNvSpPr>
-            <a:spLocks noChangeArrowheads="1"/>
-          </p:cNvSpPr>
-          <p:nvPr/>
-        </p:nvSpPr>
-        <p:spPr bwMode="auto">
-          <a:xfrm>
-            <a:off x="827584" y="1030169"/>
-            <a:ext cx="7848872" cy="1323439"/>
-          </a:xfrm>
-          <a:prstGeom prst="rect">
-            <a:avLst/>
-          </a:prstGeom>
-          <a:noFill/>
-          <a:ln>
-            <a:noFill/>
-          </a:ln>
-          <a:effectLst/>
-          <a:extLst>
-            <a:ext uri="{909E8E84-426E-40DD-AFC4-6F175D3DCCD1}">
-              <a14:hiddenFill xmlns:a14="http://schemas.microsoft.com/office/drawing/2010/main">
-                <a:solidFill>
-                  <a:schemeClr val="accent1"/>
-                </a:solidFill>
-              </a14:hiddenFill>
-            </a:ext>
-            <a:ext uri="{91240B29-F687-4F45-9708-019B960494DF}">
-              <a14:hiddenLine xmlns:a14="http://schemas.microsoft.com/office/drawing/2010/main" w="9525">
-                <a:solidFill>
-                  <a:schemeClr val="tx1"/>
-                </a:solidFill>
-                <a:miter lim="800000"/>
-                <a:headEnd/>
-                <a:tailEnd/>
-              </a14:hiddenLine>
-            </a:ext>
-            <a:ext uri="{AF507438-7753-43E0-B8FC-AC1667EBCBE1}">
-              <a14:hiddenEffects xmlns:a14="http://schemas.microsoft.com/office/drawing/2010/main">
-                <a:effectLst>
-                  <a:outerShdw dist="35921" dir="2700000" algn="ctr" rotWithShape="0">
-                    <a:schemeClr val="bg2"/>
-                  </a:outerShdw>
-                </a:effectLst>
-              </a14:hiddenEffects>
-            </a:ext>
-          </a:extLst>
-        </p:spPr>
-        <p:txBody>
-          <a:bodyPr vert="horz" wrap="square" lIns="91440" tIns="45720" rIns="91440" bIns="45720" numCol="1" anchor="ctr" anchorCtr="0" compatLnSpc="1">
-            <a:prstTxWarp prst="textNoShape">
-              <a:avLst/>
-            </a:prstTxWarp>
-            <a:spAutoFit/>
-          </a:bodyPr>
-          <a:lstStyle/>
-          <a:p>
-            <a:r>
-              <a:rPr lang="es-MX" sz="1600" dirty="0">
-                <a:solidFill>
-                  <a:schemeClr val="bg2">
-                    <a:lumMod val="25000"/>
-                  </a:schemeClr>
-                </a:solidFill>
-                <a:latin typeface="Arial" pitchFamily="34" charset="0"/>
-                <a:cs typeface="Arial" pitchFamily="34" charset="0"/>
-              </a:rPr>
-              <a:t>Son los protocolos de ruteo que intercambian información de ruteo entre sistemas autónomos. Estos protocolos son altamente complejos, debido a la necesidad de determinar políticas entre organizaciones diferentes. </a:t>
-            </a:r>
-          </a:p>
-          <a:p>
-            <a:endParaRPr lang="es-MX" sz="1600" dirty="0">
-              <a:solidFill>
-                <a:schemeClr val="bg2">
-                  <a:lumMod val="25000"/>
-                </a:schemeClr>
-              </a:solidFill>
-              <a:latin typeface="Arial" pitchFamily="34" charset="0"/>
-              <a:cs typeface="Arial" pitchFamily="34" charset="0"/>
-            </a:endParaRPr>
-          </a:p>
-          <a:p>
-            <a:r>
-              <a:rPr lang="es-MX" sz="1600" dirty="0">
-                <a:solidFill>
-                  <a:schemeClr val="bg2">
-                    <a:lumMod val="25000"/>
-                  </a:schemeClr>
-                </a:solidFill>
-                <a:latin typeface="Arial" pitchFamily="34" charset="0"/>
-                <a:cs typeface="Arial" pitchFamily="34" charset="0"/>
-              </a:rPr>
-              <a:t>Ejemplo: </a:t>
-            </a:r>
-            <a:r>
-              <a:rPr lang="es-MX" sz="1600" b="1" dirty="0">
-                <a:solidFill>
-                  <a:schemeClr val="bg2">
-                    <a:lumMod val="25000"/>
-                  </a:schemeClr>
-                </a:solidFill>
-                <a:latin typeface="Arial" pitchFamily="34" charset="0"/>
-                <a:cs typeface="Arial" pitchFamily="34" charset="0"/>
-              </a:rPr>
-              <a:t>BGP-4 </a:t>
-            </a:r>
-            <a:r>
-              <a:rPr lang="es-MX" sz="1600" dirty="0">
-                <a:solidFill>
-                  <a:schemeClr val="bg2">
-                    <a:lumMod val="25000"/>
-                  </a:schemeClr>
-                </a:solidFill>
-                <a:latin typeface="Arial" pitchFamily="34" charset="0"/>
-                <a:cs typeface="Arial" pitchFamily="34" charset="0"/>
-              </a:rPr>
-              <a:t>(</a:t>
-            </a:r>
-            <a:r>
-              <a:rPr lang="es-MX" sz="1600" dirty="0" err="1">
-                <a:solidFill>
-                  <a:schemeClr val="bg2">
-                    <a:lumMod val="25000"/>
-                  </a:schemeClr>
-                </a:solidFill>
-                <a:latin typeface="Arial" pitchFamily="34" charset="0"/>
-                <a:cs typeface="Arial" pitchFamily="34" charset="0"/>
-              </a:rPr>
-              <a:t>Border</a:t>
-            </a:r>
-            <a:r>
-              <a:rPr lang="es-MX" sz="1600" dirty="0">
-                <a:solidFill>
-                  <a:schemeClr val="bg2">
-                    <a:lumMod val="25000"/>
-                  </a:schemeClr>
-                </a:solidFill>
-                <a:latin typeface="Arial" pitchFamily="34" charset="0"/>
-                <a:cs typeface="Arial" pitchFamily="34" charset="0"/>
-              </a:rPr>
-              <a:t> Gateway </a:t>
-            </a:r>
-            <a:r>
-              <a:rPr lang="es-MX" sz="1600" dirty="0" err="1">
-                <a:solidFill>
-                  <a:schemeClr val="bg2">
-                    <a:lumMod val="25000"/>
-                  </a:schemeClr>
-                </a:solidFill>
-                <a:latin typeface="Arial" pitchFamily="34" charset="0"/>
-                <a:cs typeface="Arial" pitchFamily="34" charset="0"/>
-              </a:rPr>
-              <a:t>Protocol</a:t>
-            </a:r>
-            <a:r>
-              <a:rPr lang="es-MX" sz="1600" dirty="0">
-                <a:solidFill>
-                  <a:schemeClr val="bg2">
-                    <a:lumMod val="25000"/>
-                  </a:schemeClr>
-                </a:solidFill>
-                <a:latin typeface="Arial" pitchFamily="34" charset="0"/>
-                <a:cs typeface="Arial" pitchFamily="34" charset="0"/>
-              </a:rPr>
-              <a:t> </a:t>
-            </a:r>
-            <a:r>
-              <a:rPr lang="es-MX" sz="1600" dirty="0" err="1">
-                <a:solidFill>
-                  <a:schemeClr val="bg2">
-                    <a:lumMod val="25000"/>
-                  </a:schemeClr>
-                </a:solidFill>
-                <a:latin typeface="Arial" pitchFamily="34" charset="0"/>
-                <a:cs typeface="Arial" pitchFamily="34" charset="0"/>
-              </a:rPr>
-              <a:t>Version</a:t>
-            </a:r>
-            <a:r>
-              <a:rPr lang="es-MX" sz="1600" dirty="0">
-                <a:solidFill>
-                  <a:schemeClr val="bg2">
-                    <a:lumMod val="25000"/>
-                  </a:schemeClr>
-                </a:solidFill>
-                <a:latin typeface="Arial" pitchFamily="34" charset="0"/>
-                <a:cs typeface="Arial" pitchFamily="34" charset="0"/>
-              </a:rPr>
-              <a:t> 4).</a:t>
-            </a:r>
-          </a:p>
-        </p:txBody>
-      </p:sp>
     </p:spTree>
     <p:extLst>
       <p:ext uri="{BB962C8B-B14F-4D97-AF65-F5344CB8AC3E}">
@@ -5647,7 +5771,7 @@
         </p:nvSpPr>
         <p:spPr>
           <a:xfrm>
-            <a:off x="144016" y="44624"/>
+            <a:off x="125759" y="103604"/>
             <a:ext cx="8964488" cy="1143000"/>
           </a:xfrm>
           <a:prstGeom prst="rect">
@@ -5697,45 +5821,791 @@
           </a:p>
         </p:txBody>
       </p:sp>
-      <p:pic>
-        <p:nvPicPr>
-          <p:cNvPr id="8" name="Imagen 7">
+      <p:graphicFrame>
+        <p:nvGraphicFramePr>
+          <p:cNvPr id="2" name="Tabla 2">
             <a:extLst>
               <a:ext uri="{FF2B5EF4-FFF2-40B4-BE49-F238E27FC236}">
-                <a16:creationId xmlns:a16="http://schemas.microsoft.com/office/drawing/2014/main" id="{B4E95C18-9D9F-4786-A897-ECD8C44CACE1}"/>
+                <a16:creationId xmlns:a16="http://schemas.microsoft.com/office/drawing/2014/main" id="{75D6A848-980A-4F98-96B1-C30F7AAB5A3C}"/>
               </a:ext>
             </a:extLst>
           </p:cNvPr>
-          <p:cNvPicPr/>
-          <p:nvPr/>
-        </p:nvPicPr>
-        <p:blipFill>
-          <a:blip r:embed="rId2">
-            <a:extLst>
-              <a:ext uri="{28A0092B-C50C-407E-A947-70E740481C1C}">
-                <a14:useLocalDpi xmlns:a14="http://schemas.microsoft.com/office/drawing/2010/main" val="0"/>
-              </a:ext>
-            </a:extLst>
-          </a:blip>
-          <a:srcRect/>
-          <a:stretch>
-            <a:fillRect/>
-          </a:stretch>
-        </p:blipFill>
-        <p:spPr bwMode="auto">
-          <a:xfrm>
-            <a:off x="971600" y="1628800"/>
-            <a:ext cx="6912768" cy="3672408"/>
-          </a:xfrm>
-          <a:prstGeom prst="rect">
-            <a:avLst/>
-          </a:prstGeom>
-          <a:noFill/>
-          <a:ln>
-            <a:noFill/>
-          </a:ln>
-        </p:spPr>
-      </p:pic>
+          <p:cNvGraphicFramePr>
+            <a:graphicFrameLocks noGrp="1"/>
+          </p:cNvGraphicFramePr>
+          <p:nvPr>
+            <p:extLst>
+              <p:ext uri="{D42A27DB-BD31-4B8C-83A1-F6EECF244321}">
+                <p14:modId xmlns:p14="http://schemas.microsoft.com/office/powerpoint/2010/main" val="1746374341"/>
+              </p:ext>
+            </p:extLst>
+          </p:nvPr>
+        </p:nvGraphicFramePr>
+        <p:xfrm>
+          <a:off x="755576" y="1412776"/>
+          <a:ext cx="7704855" cy="4770120"/>
+        </p:xfrm>
+        <a:graphic>
+          <a:graphicData uri="http://schemas.openxmlformats.org/drawingml/2006/table">
+            <a:tbl>
+              <a:tblPr firstRow="1" bandRow="1">
+                <a:tableStyleId>{5C22544A-7EE6-4342-B048-85BDC9FD1C3A}</a:tableStyleId>
+              </a:tblPr>
+              <a:tblGrid>
+                <a:gridCol w="1540971">
+                  <a:extLst>
+                    <a:ext uri="{9D8B030D-6E8A-4147-A177-3AD203B41FA5}">
+                      <a16:colId xmlns:a16="http://schemas.microsoft.com/office/drawing/2014/main" val="2383758676"/>
+                    </a:ext>
+                  </a:extLst>
+                </a:gridCol>
+                <a:gridCol w="1540971">
+                  <a:extLst>
+                    <a:ext uri="{9D8B030D-6E8A-4147-A177-3AD203B41FA5}">
+                      <a16:colId xmlns:a16="http://schemas.microsoft.com/office/drawing/2014/main" val="1183670672"/>
+                    </a:ext>
+                  </a:extLst>
+                </a:gridCol>
+                <a:gridCol w="1540971">
+                  <a:extLst>
+                    <a:ext uri="{9D8B030D-6E8A-4147-A177-3AD203B41FA5}">
+                      <a16:colId xmlns:a16="http://schemas.microsoft.com/office/drawing/2014/main" val="1668456061"/>
+                    </a:ext>
+                  </a:extLst>
+                </a:gridCol>
+                <a:gridCol w="1540971">
+                  <a:extLst>
+                    <a:ext uri="{9D8B030D-6E8A-4147-A177-3AD203B41FA5}">
+                      <a16:colId xmlns:a16="http://schemas.microsoft.com/office/drawing/2014/main" val="3451999211"/>
+                    </a:ext>
+                  </a:extLst>
+                </a:gridCol>
+                <a:gridCol w="1540971">
+                  <a:extLst>
+                    <a:ext uri="{9D8B030D-6E8A-4147-A177-3AD203B41FA5}">
+                      <a16:colId xmlns:a16="http://schemas.microsoft.com/office/drawing/2014/main" val="3896906438"/>
+                    </a:ext>
+                  </a:extLst>
+                </a:gridCol>
+              </a:tblGrid>
+              <a:tr h="370840">
+                <a:tc>
+                  <a:txBody>
+                    <a:bodyPr/>
+                    <a:lstStyle/>
+                    <a:p>
+                      <a:pPr algn="ctr"/>
+                      <a:r>
+                        <a:rPr lang="es-ES" b="1" dirty="0">
+                          <a:latin typeface="+mn-lt"/>
+                        </a:rPr>
+                        <a:t>Protocol</a:t>
+                      </a:r>
+                      <a:endParaRPr lang="es-MX" b="1" dirty="0">
+                        <a:latin typeface="+mn-lt"/>
+                      </a:endParaRPr>
+                    </a:p>
+                  </a:txBody>
+                  <a:tcPr anchor="ctr"/>
+                </a:tc>
+                <a:tc>
+                  <a:txBody>
+                    <a:bodyPr/>
+                    <a:lstStyle/>
+                    <a:p>
+                      <a:pPr algn="ctr"/>
+                      <a:r>
+                        <a:rPr lang="es-ES" b="1" dirty="0">
+                          <a:latin typeface="+mn-lt"/>
+                        </a:rPr>
+                        <a:t>Type</a:t>
+                      </a:r>
+                      <a:endParaRPr lang="es-MX" b="1" dirty="0">
+                        <a:latin typeface="+mn-lt"/>
+                      </a:endParaRPr>
+                    </a:p>
+                  </a:txBody>
+                  <a:tcPr anchor="ctr"/>
+                </a:tc>
+                <a:tc>
+                  <a:txBody>
+                    <a:bodyPr/>
+                    <a:lstStyle/>
+                    <a:p>
+                      <a:pPr algn="ctr"/>
+                      <a:r>
+                        <a:rPr lang="es-ES" b="1" dirty="0">
+                          <a:latin typeface="+mn-lt"/>
+                        </a:rPr>
+                        <a:t>Technology</a:t>
+                      </a:r>
+                      <a:endParaRPr lang="es-MX" b="1" dirty="0">
+                        <a:latin typeface="+mn-lt"/>
+                      </a:endParaRPr>
+                    </a:p>
+                  </a:txBody>
+                  <a:tcPr anchor="ctr"/>
+                </a:tc>
+                <a:tc>
+                  <a:txBody>
+                    <a:bodyPr/>
+                    <a:lstStyle/>
+                    <a:p>
+                      <a:pPr algn="ctr"/>
+                      <a:r>
+                        <a:rPr lang="es-ES" b="1" dirty="0">
+                          <a:latin typeface="+mn-lt"/>
+                        </a:rPr>
+                        <a:t>Metric</a:t>
+                      </a:r>
+                      <a:endParaRPr lang="es-MX" b="1" dirty="0">
+                        <a:latin typeface="+mn-lt"/>
+                      </a:endParaRPr>
+                    </a:p>
+                  </a:txBody>
+                  <a:tcPr anchor="ctr"/>
+                </a:tc>
+                <a:tc>
+                  <a:txBody>
+                    <a:bodyPr/>
+                    <a:lstStyle/>
+                    <a:p>
+                      <a:pPr algn="ctr"/>
+                      <a:r>
+                        <a:rPr lang="es-ES" b="1" dirty="0">
+                          <a:latin typeface="+mn-lt"/>
+                        </a:rPr>
+                        <a:t>Updates</a:t>
+                      </a:r>
+                      <a:endParaRPr lang="es-MX" b="1" dirty="0">
+                        <a:latin typeface="+mn-lt"/>
+                      </a:endParaRPr>
+                    </a:p>
+                  </a:txBody>
+                  <a:tcPr anchor="ctr"/>
+                </a:tc>
+                <a:extLst>
+                  <a:ext uri="{0D108BD9-81ED-4DB2-BD59-A6C34878D82A}">
+                    <a16:rowId xmlns:a16="http://schemas.microsoft.com/office/drawing/2014/main" val="1165859789"/>
+                  </a:ext>
+                </a:extLst>
+              </a:tr>
+              <a:tr h="370840">
+                <a:tc>
+                  <a:txBody>
+                    <a:bodyPr/>
+                    <a:lstStyle/>
+                    <a:p>
+                      <a:pPr algn="ctr"/>
+                      <a:r>
+                        <a:rPr lang="es-ES" b="1" dirty="0">
+                          <a:latin typeface="+mn-lt"/>
+                        </a:rPr>
+                        <a:t>RIP v1 y v2</a:t>
+                      </a:r>
+                      <a:endParaRPr lang="es-MX" b="1" dirty="0">
+                        <a:latin typeface="+mn-lt"/>
+                      </a:endParaRPr>
+                    </a:p>
+                  </a:txBody>
+                  <a:tcPr anchor="ctr"/>
+                </a:tc>
+                <a:tc>
+                  <a:txBody>
+                    <a:bodyPr/>
+                    <a:lstStyle/>
+                    <a:p>
+                      <a:pPr algn="ctr"/>
+                      <a:r>
+                        <a:rPr lang="es-ES" b="0" dirty="0">
+                          <a:latin typeface="+mn-lt"/>
+                        </a:rPr>
+                        <a:t>Interior</a:t>
+                      </a:r>
+                      <a:endParaRPr lang="es-MX" b="0" dirty="0">
+                        <a:latin typeface="+mn-lt"/>
+                      </a:endParaRPr>
+                    </a:p>
+                  </a:txBody>
+                  <a:tcPr anchor="ctr"/>
+                </a:tc>
+                <a:tc>
+                  <a:txBody>
+                    <a:bodyPr/>
+                    <a:lstStyle/>
+                    <a:p>
+                      <a:pPr algn="ctr"/>
+                      <a:r>
+                        <a:rPr lang="es-ES" b="0" dirty="0">
+                          <a:latin typeface="+mn-lt"/>
+                        </a:rPr>
+                        <a:t>Distance vector</a:t>
+                      </a:r>
+                      <a:endParaRPr lang="es-MX" b="0" dirty="0">
+                        <a:latin typeface="+mn-lt"/>
+                      </a:endParaRPr>
+                    </a:p>
+                  </a:txBody>
+                  <a:tcPr anchor="ctr"/>
+                </a:tc>
+                <a:tc>
+                  <a:txBody>
+                    <a:bodyPr/>
+                    <a:lstStyle/>
+                    <a:p>
+                      <a:pPr algn="ctr"/>
+                      <a:r>
+                        <a:rPr lang="es-ES" b="0" dirty="0">
+                          <a:latin typeface="+mn-lt"/>
+                        </a:rPr>
+                        <a:t>Hop count</a:t>
+                      </a:r>
+                      <a:endParaRPr lang="es-MX" b="0" dirty="0">
+                        <a:latin typeface="+mn-lt"/>
+                      </a:endParaRPr>
+                    </a:p>
+                  </a:txBody>
+                  <a:tcPr anchor="ctr"/>
+                </a:tc>
+                <a:tc>
+                  <a:txBody>
+                    <a:bodyPr/>
+                    <a:lstStyle/>
+                    <a:p>
+                      <a:pPr algn="ctr"/>
+                      <a:r>
+                        <a:rPr lang="es-ES" b="0" dirty="0">
+                          <a:latin typeface="+mn-lt"/>
+                        </a:rPr>
+                        <a:t>Every 30 segs.</a:t>
+                      </a:r>
+                      <a:endParaRPr lang="es-MX" b="0" dirty="0">
+                        <a:latin typeface="+mn-lt"/>
+                      </a:endParaRPr>
+                    </a:p>
+                  </a:txBody>
+                  <a:tcPr anchor="ctr"/>
+                </a:tc>
+                <a:extLst>
+                  <a:ext uri="{0D108BD9-81ED-4DB2-BD59-A6C34878D82A}">
+                    <a16:rowId xmlns:a16="http://schemas.microsoft.com/office/drawing/2014/main" val="2844887373"/>
+                  </a:ext>
+                </a:extLst>
+              </a:tr>
+              <a:tr h="370840">
+                <a:tc>
+                  <a:txBody>
+                    <a:bodyPr/>
+                    <a:lstStyle/>
+                    <a:p>
+                      <a:pPr algn="ctr"/>
+                      <a:r>
+                        <a:rPr lang="es-ES" b="1" dirty="0">
+                          <a:latin typeface="+mn-lt"/>
+                        </a:rPr>
+                        <a:t>IGRP</a:t>
+                      </a:r>
+                      <a:endParaRPr lang="es-MX" b="1" dirty="0">
+                        <a:latin typeface="+mn-lt"/>
+                      </a:endParaRPr>
+                    </a:p>
+                  </a:txBody>
+                  <a:tcPr anchor="ctr"/>
+                </a:tc>
+                <a:tc>
+                  <a:txBody>
+                    <a:bodyPr/>
+                    <a:lstStyle/>
+                    <a:p>
+                      <a:pPr algn="ctr"/>
+                      <a:r>
+                        <a:rPr lang="es-ES" b="0" dirty="0">
+                          <a:latin typeface="+mn-lt"/>
+                        </a:rPr>
+                        <a:t>Interior</a:t>
+                      </a:r>
+                      <a:endParaRPr lang="es-MX" b="0" dirty="0">
+                        <a:latin typeface="+mn-lt"/>
+                      </a:endParaRPr>
+                    </a:p>
+                  </a:txBody>
+                  <a:tcPr anchor="ctr"/>
+                </a:tc>
+                <a:tc>
+                  <a:txBody>
+                    <a:bodyPr/>
+                    <a:lstStyle/>
+                    <a:p>
+                      <a:pPr algn="ctr"/>
+                      <a:r>
+                        <a:rPr lang="es-ES" b="0" dirty="0">
+                          <a:latin typeface="+mn-lt"/>
+                        </a:rPr>
+                        <a:t>Distance vector</a:t>
+                      </a:r>
+                      <a:endParaRPr lang="es-MX" b="0" dirty="0">
+                        <a:latin typeface="+mn-lt"/>
+                      </a:endParaRPr>
+                    </a:p>
+                  </a:txBody>
+                  <a:tcPr anchor="ctr"/>
+                </a:tc>
+                <a:tc>
+                  <a:txBody>
+                    <a:bodyPr/>
+                    <a:lstStyle/>
+                    <a:p>
+                      <a:pPr algn="ctr"/>
+                      <a:r>
+                        <a:rPr lang="es-ES" b="0" dirty="0">
+                          <a:latin typeface="+mn-lt"/>
+                        </a:rPr>
+                        <a:t>Bandwidth, delay, load, reliability MTU</a:t>
+                      </a:r>
+                      <a:endParaRPr lang="es-MX" b="0" dirty="0">
+                        <a:latin typeface="+mn-lt"/>
+                      </a:endParaRPr>
+                    </a:p>
+                  </a:txBody>
+                  <a:tcPr anchor="ctr"/>
+                </a:tc>
+                <a:tc>
+                  <a:txBody>
+                    <a:bodyPr/>
+                    <a:lstStyle/>
+                    <a:p>
+                      <a:pPr algn="ctr"/>
+                      <a:r>
+                        <a:rPr lang="es-ES" b="0" dirty="0">
+                          <a:latin typeface="+mn-lt"/>
+                        </a:rPr>
+                        <a:t>Every 90 segs.</a:t>
+                      </a:r>
+                      <a:endParaRPr lang="es-MX" b="0" dirty="0">
+                        <a:latin typeface="+mn-lt"/>
+                      </a:endParaRPr>
+                    </a:p>
+                  </a:txBody>
+                  <a:tcPr anchor="ctr"/>
+                </a:tc>
+                <a:extLst>
+                  <a:ext uri="{0D108BD9-81ED-4DB2-BD59-A6C34878D82A}">
+                    <a16:rowId xmlns:a16="http://schemas.microsoft.com/office/drawing/2014/main" val="937669454"/>
+                  </a:ext>
+                </a:extLst>
+              </a:tr>
+              <a:tr h="370840">
+                <a:tc>
+                  <a:txBody>
+                    <a:bodyPr/>
+                    <a:lstStyle/>
+                    <a:p>
+                      <a:pPr algn="ctr"/>
+                      <a:r>
+                        <a:rPr lang="es-ES" b="1" dirty="0">
+                          <a:latin typeface="+mn-lt"/>
+                        </a:rPr>
+                        <a:t>EIGRP</a:t>
+                      </a:r>
+                      <a:endParaRPr lang="es-MX" b="1" dirty="0">
+                        <a:latin typeface="+mn-lt"/>
+                      </a:endParaRPr>
+                    </a:p>
+                  </a:txBody>
+                  <a:tcPr anchor="ctr"/>
+                </a:tc>
+                <a:tc>
+                  <a:txBody>
+                    <a:bodyPr/>
+                    <a:lstStyle/>
+                    <a:p>
+                      <a:pPr algn="ctr"/>
+                      <a:r>
+                        <a:rPr lang="es-ES" b="0" dirty="0">
+                          <a:latin typeface="+mn-lt"/>
+                        </a:rPr>
+                        <a:t>Interior</a:t>
+                      </a:r>
+                      <a:endParaRPr lang="es-MX" b="0" dirty="0">
+                        <a:latin typeface="+mn-lt"/>
+                      </a:endParaRPr>
+                    </a:p>
+                  </a:txBody>
+                  <a:tcPr anchor="ctr"/>
+                </a:tc>
+                <a:tc>
+                  <a:txBody>
+                    <a:bodyPr/>
+                    <a:lstStyle/>
+                    <a:p>
+                      <a:pPr algn="ctr"/>
+                      <a:r>
+                        <a:rPr lang="es-ES" b="0" dirty="0">
+                          <a:latin typeface="+mn-lt"/>
+                        </a:rPr>
+                        <a:t>Advanced distance vector</a:t>
+                      </a:r>
+                      <a:endParaRPr lang="es-MX" b="0" dirty="0">
+                        <a:latin typeface="+mn-lt"/>
+                      </a:endParaRPr>
+                    </a:p>
+                  </a:txBody>
+                  <a:tcPr anchor="ctr"/>
+                </a:tc>
+                <a:tc>
+                  <a:txBody>
+                    <a:bodyPr/>
+                    <a:lstStyle/>
+                    <a:p>
+                      <a:pPr algn="ctr"/>
+                      <a:r>
+                        <a:rPr lang="es-ES" b="0" dirty="0">
+                          <a:latin typeface="+mn-lt"/>
+                        </a:rPr>
+                        <a:t>Bandwidth, delay, load, reliability MTU</a:t>
+                      </a:r>
+                      <a:endParaRPr lang="es-MX" b="0" dirty="0">
+                        <a:latin typeface="+mn-lt"/>
+                      </a:endParaRPr>
+                    </a:p>
+                  </a:txBody>
+                  <a:tcPr anchor="ctr"/>
+                </a:tc>
+                <a:tc>
+                  <a:txBody>
+                    <a:bodyPr/>
+                    <a:lstStyle/>
+                    <a:p>
+                      <a:pPr algn="ctr"/>
+                      <a:r>
+                        <a:rPr lang="es-ES" b="0" dirty="0">
+                          <a:latin typeface="+mn-lt"/>
+                        </a:rPr>
+                        <a:t>Incremental</a:t>
+                      </a:r>
+                      <a:endParaRPr lang="es-MX" b="0" dirty="0">
+                        <a:latin typeface="+mn-lt"/>
+                      </a:endParaRPr>
+                    </a:p>
+                  </a:txBody>
+                  <a:tcPr anchor="ctr"/>
+                </a:tc>
+                <a:extLst>
+                  <a:ext uri="{0D108BD9-81ED-4DB2-BD59-A6C34878D82A}">
+                    <a16:rowId xmlns:a16="http://schemas.microsoft.com/office/drawing/2014/main" val="4270957730"/>
+                  </a:ext>
+                </a:extLst>
+              </a:tr>
+              <a:tr h="370840">
+                <a:tc>
+                  <a:txBody>
+                    <a:bodyPr/>
+                    <a:lstStyle/>
+                    <a:p>
+                      <a:pPr algn="ctr"/>
+                      <a:r>
+                        <a:rPr lang="es-ES" b="1" dirty="0">
+                          <a:latin typeface="+mn-lt"/>
+                        </a:rPr>
+                        <a:t>OSPF</a:t>
+                      </a:r>
+                      <a:endParaRPr lang="es-MX" b="1" dirty="0">
+                        <a:latin typeface="+mn-lt"/>
+                      </a:endParaRPr>
+                    </a:p>
+                  </a:txBody>
+                  <a:tcPr anchor="ctr"/>
+                </a:tc>
+                <a:tc>
+                  <a:txBody>
+                    <a:bodyPr/>
+                    <a:lstStyle/>
+                    <a:p>
+                      <a:pPr algn="ctr"/>
+                      <a:r>
+                        <a:rPr lang="es-ES" b="0" dirty="0">
+                          <a:latin typeface="+mn-lt"/>
+                        </a:rPr>
+                        <a:t>Interior</a:t>
+                      </a:r>
+                      <a:endParaRPr lang="es-MX" b="0" dirty="0">
+                        <a:latin typeface="+mn-lt"/>
+                      </a:endParaRPr>
+                    </a:p>
+                  </a:txBody>
+                  <a:tcPr anchor="ctr"/>
+                </a:tc>
+                <a:tc>
+                  <a:txBody>
+                    <a:bodyPr/>
+                    <a:lstStyle/>
+                    <a:p>
+                      <a:pPr algn="ctr"/>
+                      <a:r>
+                        <a:rPr lang="es-ES" b="0" dirty="0">
+                          <a:latin typeface="+mn-lt"/>
+                        </a:rPr>
+                        <a:t>Link state</a:t>
+                      </a:r>
+                      <a:endParaRPr lang="es-MX" b="0" dirty="0">
+                        <a:latin typeface="+mn-lt"/>
+                      </a:endParaRPr>
+                    </a:p>
+                  </a:txBody>
+                  <a:tcPr anchor="ctr"/>
+                </a:tc>
+                <a:tc>
+                  <a:txBody>
+                    <a:bodyPr/>
+                    <a:lstStyle/>
+                    <a:p>
+                      <a:pPr algn="ctr"/>
+                      <a:r>
+                        <a:rPr lang="es-ES" b="0" dirty="0">
+                          <a:latin typeface="+mn-lt"/>
+                        </a:rPr>
+                        <a:t>Cost</a:t>
+                      </a:r>
+                      <a:endParaRPr lang="es-MX" b="0" dirty="0">
+                        <a:latin typeface="+mn-lt"/>
+                      </a:endParaRPr>
+                    </a:p>
+                  </a:txBody>
+                  <a:tcPr anchor="ctr"/>
+                </a:tc>
+                <a:tc>
+                  <a:txBody>
+                    <a:bodyPr/>
+                    <a:lstStyle/>
+                    <a:p>
+                      <a:pPr algn="ctr"/>
+                      <a:r>
+                        <a:rPr lang="es-ES" b="0" dirty="0">
+                          <a:latin typeface="+mn-lt"/>
+                        </a:rPr>
+                        <a:t>Incremental</a:t>
+                      </a:r>
+                      <a:endParaRPr lang="es-MX" b="0" dirty="0">
+                        <a:latin typeface="+mn-lt"/>
+                      </a:endParaRPr>
+                    </a:p>
+                  </a:txBody>
+                  <a:tcPr anchor="ctr"/>
+                </a:tc>
+                <a:extLst>
+                  <a:ext uri="{0D108BD9-81ED-4DB2-BD59-A6C34878D82A}">
+                    <a16:rowId xmlns:a16="http://schemas.microsoft.com/office/drawing/2014/main" val="150872776"/>
+                  </a:ext>
+                </a:extLst>
+              </a:tr>
+              <a:tr h="370840">
+                <a:tc>
+                  <a:txBody>
+                    <a:bodyPr/>
+                    <a:lstStyle/>
+                    <a:p>
+                      <a:pPr algn="ctr"/>
+                      <a:r>
+                        <a:rPr lang="es-ES" b="1" dirty="0">
+                          <a:latin typeface="+mn-lt"/>
+                        </a:rPr>
+                        <a:t>IS - IS</a:t>
+                      </a:r>
+                      <a:endParaRPr lang="es-MX" b="1" dirty="0">
+                        <a:latin typeface="+mn-lt"/>
+                      </a:endParaRPr>
+                    </a:p>
+                  </a:txBody>
+                  <a:tcPr anchor="ctr"/>
+                </a:tc>
+                <a:tc>
+                  <a:txBody>
+                    <a:bodyPr/>
+                    <a:lstStyle/>
+                    <a:p>
+                      <a:pPr algn="ctr"/>
+                      <a:r>
+                        <a:rPr lang="es-ES" b="0" dirty="0">
+                          <a:latin typeface="+mn-lt"/>
+                        </a:rPr>
+                        <a:t>Interior</a:t>
+                      </a:r>
+                      <a:endParaRPr lang="es-MX" b="0" dirty="0">
+                        <a:latin typeface="+mn-lt"/>
+                      </a:endParaRPr>
+                    </a:p>
+                  </a:txBody>
+                  <a:tcPr anchor="ctr"/>
+                </a:tc>
+                <a:tc>
+                  <a:txBody>
+                    <a:bodyPr/>
+                    <a:lstStyle/>
+                    <a:p>
+                      <a:pPr algn="ctr"/>
+                      <a:r>
+                        <a:rPr lang="es-ES" b="0" dirty="0">
+                          <a:latin typeface="+mn-lt"/>
+                        </a:rPr>
+                        <a:t>Link state</a:t>
+                      </a:r>
+                      <a:endParaRPr lang="es-MX" b="0" dirty="0">
+                        <a:latin typeface="+mn-lt"/>
+                      </a:endParaRPr>
+                    </a:p>
+                  </a:txBody>
+                  <a:tcPr anchor="ctr"/>
+                </a:tc>
+                <a:tc>
+                  <a:txBody>
+                    <a:bodyPr/>
+                    <a:lstStyle/>
+                    <a:p>
+                      <a:pPr algn="ctr"/>
+                      <a:r>
+                        <a:rPr lang="es-ES" b="0" dirty="0">
+                          <a:latin typeface="+mn-lt"/>
+                        </a:rPr>
+                        <a:t>Cost</a:t>
+                      </a:r>
+                      <a:endParaRPr lang="es-MX" b="0" dirty="0">
+                        <a:latin typeface="+mn-lt"/>
+                      </a:endParaRPr>
+                    </a:p>
+                  </a:txBody>
+                  <a:tcPr anchor="ctr"/>
+                </a:tc>
+                <a:tc>
+                  <a:txBody>
+                    <a:bodyPr/>
+                    <a:lstStyle/>
+                    <a:p>
+                      <a:pPr algn="ctr"/>
+                      <a:r>
+                        <a:rPr lang="es-ES" b="0" dirty="0">
+                          <a:latin typeface="+mn-lt"/>
+                        </a:rPr>
+                        <a:t>Incremental</a:t>
+                      </a:r>
+                      <a:endParaRPr lang="es-MX" b="0" dirty="0">
+                        <a:latin typeface="+mn-lt"/>
+                      </a:endParaRPr>
+                    </a:p>
+                  </a:txBody>
+                  <a:tcPr anchor="ctr"/>
+                </a:tc>
+                <a:extLst>
+                  <a:ext uri="{0D108BD9-81ED-4DB2-BD59-A6C34878D82A}">
+                    <a16:rowId xmlns:a16="http://schemas.microsoft.com/office/drawing/2014/main" val="1511957183"/>
+                  </a:ext>
+                </a:extLst>
+              </a:tr>
+              <a:tr h="370840">
+                <a:tc>
+                  <a:txBody>
+                    <a:bodyPr/>
+                    <a:lstStyle/>
+                    <a:p>
+                      <a:pPr algn="ctr"/>
+                      <a:r>
+                        <a:rPr lang="es-ES" b="1" dirty="0">
+                          <a:latin typeface="+mn-lt"/>
+                        </a:rPr>
+                        <a:t>BGP-4</a:t>
+                      </a:r>
+                      <a:endParaRPr lang="es-MX" b="1" dirty="0">
+                        <a:latin typeface="+mn-lt"/>
+                      </a:endParaRPr>
+                    </a:p>
+                  </a:txBody>
+                  <a:tcPr anchor="ctr"/>
+                </a:tc>
+                <a:tc>
+                  <a:txBody>
+                    <a:bodyPr/>
+                    <a:lstStyle/>
+                    <a:p>
+                      <a:pPr algn="ctr"/>
+                      <a:r>
+                        <a:rPr lang="es-ES" b="0" dirty="0">
+                          <a:latin typeface="+mn-lt"/>
+                        </a:rPr>
+                        <a:t>Exterior</a:t>
+                      </a:r>
+                      <a:endParaRPr lang="es-MX" b="0" dirty="0">
+                        <a:latin typeface="+mn-lt"/>
+                      </a:endParaRPr>
+                    </a:p>
+                  </a:txBody>
+                  <a:tcPr anchor="ctr"/>
+                </a:tc>
+                <a:tc>
+                  <a:txBody>
+                    <a:bodyPr/>
+                    <a:lstStyle/>
+                    <a:p>
+                      <a:pPr algn="ctr"/>
+                      <a:r>
+                        <a:rPr lang="es-ES" b="0" dirty="0">
+                          <a:latin typeface="+mn-lt"/>
+                        </a:rPr>
+                        <a:t>Path vector</a:t>
+                      </a:r>
+                      <a:endParaRPr lang="es-MX" b="0" dirty="0">
+                        <a:latin typeface="+mn-lt"/>
+                      </a:endParaRPr>
+                    </a:p>
+                  </a:txBody>
+                  <a:tcPr anchor="ctr"/>
+                </a:tc>
+                <a:tc>
+                  <a:txBody>
+                    <a:bodyPr/>
+                    <a:lstStyle/>
+                    <a:p>
+                      <a:pPr algn="ctr"/>
+                      <a:r>
+                        <a:rPr lang="es-ES" b="0" dirty="0">
+                          <a:latin typeface="+mn-lt"/>
+                        </a:rPr>
+                        <a:t>Multi-Exit discriminator</a:t>
+                      </a:r>
+                      <a:endParaRPr lang="es-MX" b="0" dirty="0">
+                        <a:latin typeface="+mn-lt"/>
+                      </a:endParaRPr>
+                    </a:p>
+                  </a:txBody>
+                  <a:tcPr anchor="ctr"/>
+                </a:tc>
+                <a:tc>
+                  <a:txBody>
+                    <a:bodyPr/>
+                    <a:lstStyle/>
+                    <a:p>
+                      <a:pPr algn="ctr"/>
+                      <a:r>
+                        <a:rPr lang="es-ES" b="0" dirty="0">
+                          <a:latin typeface="+mn-lt"/>
+                        </a:rPr>
+                        <a:t>Incremental</a:t>
+                      </a:r>
+                      <a:endParaRPr lang="es-MX" b="0" dirty="0">
+                        <a:latin typeface="+mn-lt"/>
+                      </a:endParaRPr>
+                    </a:p>
+                  </a:txBody>
+                  <a:tcPr anchor="ctr"/>
+                </a:tc>
+                <a:extLst>
+                  <a:ext uri="{0D108BD9-81ED-4DB2-BD59-A6C34878D82A}">
+                    <a16:rowId xmlns:a16="http://schemas.microsoft.com/office/drawing/2014/main" val="3074479257"/>
+                  </a:ext>
+                </a:extLst>
+              </a:tr>
+            </a:tbl>
+          </a:graphicData>
+        </a:graphic>
+      </p:graphicFrame>
     </p:spTree>
     <p:extLst>
       <p:ext uri="{BB962C8B-B14F-4D97-AF65-F5344CB8AC3E}">
